--- a/Sistema de monitoreo de temperaturas Kevin_Ramirez Jefferson_Pogyo.pptx
+++ b/Sistema de monitoreo de temperaturas Kevin_Ramirez Jefferson_Pogyo.pptx
@@ -110,6 +110,14 @@
     </p:ext>
   </p:extLst>
 </p:presentation>
+</file>
+
+<file path=ppt/revisionInfo.xml><?xml version="1.0" encoding="utf-8"?>
+<p1510:revInfo xmlns:a="http://schemas.openxmlformats.org/drawingml/2006/main" xmlns:r="http://schemas.openxmlformats.org/officeDocument/2006/relationships" xmlns:p1510="http://schemas.microsoft.com/office/powerpoint/2015/10/main">
+  <p1510:revLst>
+    <p1510:client id="{2DB10AF6-5045-7986-49A7-9C692A8AFFFD}" v="5" dt="2023-10-06T20:21:55.624"/>
+  </p1510:revLst>
+</p1510:revInfo>
 </file>
 
 <file path=ppt/diagrams/colors1.xml><?xml version="1.0" encoding="utf-8"?>
@@ -1963,7 +1971,7 @@
         <a:solidFill>
           <a:schemeClr val="accent1">
             <a:shade val="50000"/>
-            <a:hueOff val="361437"/>
+            <a:hueOff val="361436"/>
             <a:satOff val="-7560"/>
             <a:lumOff val="42063"/>
             <a:alphaOff val="0"/>
